--- a/Image classification with CNN Presentation.pptx
+++ b/Image classification with CNN Presentation.pptx
@@ -21,21 +21,20 @@
     <p:sldId id="265" r:id="rId15"/>
     <p:sldId id="266" r:id="rId16"/>
     <p:sldId id="267" r:id="rId17"/>
-    <p:sldId id="268" r:id="rId18"/>
   </p:sldIdLst>
   <p:sldSz cy="6858000" cx="12192000"/>
   <p:notesSz cx="6858000" cy="9144000"/>
   <p:embeddedFontLst>
     <p:embeddedFont>
       <p:font typeface="Lustria"/>
-      <p:regular r:id="rId19"/>
+      <p:regular r:id="rId18"/>
     </p:embeddedFont>
     <p:embeddedFont>
       <p:font typeface="Open Sans"/>
-      <p:regular r:id="rId20"/>
-      <p:bold r:id="rId21"/>
-      <p:italic r:id="rId22"/>
-      <p:boldItalic r:id="rId23"/>
+      <p:regular r:id="rId19"/>
+      <p:bold r:id="rId20"/>
+      <p:italic r:id="rId21"/>
+      <p:boldItalic r:id="rId22"/>
     </p:embeddedFont>
   </p:embeddedFontLst>
   <p:defaultTextStyle>
@@ -269,7 +268,7 @@
   </p:defaultTextStyle>
   <p:extLst>
     <p:ext uri="GoogleSlidesCustomDataVersion2">
-      <go:slidesCustomData xmlns:go="http://customooxmlschemas.google.com/" r:id="rId24" roundtripDataSignature="AMtx7mi58pfkKToFdBNGMd+xijQeUXNLSg=="/>
+      <go:slidesCustomData xmlns:go="http://customooxmlschemas.google.com/" r:id="rId23" roundtripDataSignature="AMtx7micth6IJpdtnxhEQLmYF1V1dvKWVQ=="/>
     </p:ext>
   </p:extLst>
 </p:presentation>
@@ -805,7 +804,7 @@
   <p:cSld>
     <p:spTree>
       <p:nvGrpSpPr>
-        <p:cNvPr id="163" name="Shape 163"/>
+        <p:cNvPr id="162" name="Shape 162"/>
         <p:cNvGrpSpPr/>
         <p:nvPr/>
       </p:nvGrpSpPr>
@@ -819,7 +818,7 @@
       </p:grpSpPr>
       <p:sp>
         <p:nvSpPr>
-          <p:cNvPr id="164" name="Google Shape;164;p7:notes"/>
+          <p:cNvPr id="163" name="Google Shape;163;p8:notes"/>
           <p:cNvSpPr txBox="1"/>
           <p:nvPr>
             <p:ph idx="1" type="body"/>
@@ -858,7 +857,7 @@
       </p:sp>
       <p:sp>
         <p:nvSpPr>
-          <p:cNvPr id="165" name="Google Shape;165;p7:notes"/>
+          <p:cNvPr id="164" name="Google Shape;164;p8:notes"/>
           <p:cNvSpPr/>
           <p:nvPr>
             <p:ph idx="2" type="sldImg"/>
@@ -904,7 +903,7 @@
   <p:cSld>
     <p:spTree>
       <p:nvGrpSpPr>
-        <p:cNvPr id="169" name="Shape 169"/>
+        <p:cNvPr id="168" name="Shape 168"/>
         <p:cNvGrpSpPr/>
         <p:nvPr/>
       </p:nvGrpSpPr>
@@ -918,7 +917,7 @@
       </p:grpSpPr>
       <p:sp>
         <p:nvSpPr>
-          <p:cNvPr id="170" name="Google Shape;170;p8:notes"/>
+          <p:cNvPr id="169" name="Google Shape;169;p9:notes"/>
           <p:cNvSpPr txBox="1"/>
           <p:nvPr>
             <p:ph idx="1" type="body"/>
@@ -957,7 +956,7 @@
       </p:sp>
       <p:sp>
         <p:nvSpPr>
-          <p:cNvPr id="171" name="Google Shape;171;p8:notes"/>
+          <p:cNvPr id="170" name="Google Shape;170;p9:notes"/>
           <p:cNvSpPr/>
           <p:nvPr>
             <p:ph idx="2" type="sldImg"/>
@@ -1003,7 +1002,7 @@
   <p:cSld>
     <p:spTree>
       <p:nvGrpSpPr>
-        <p:cNvPr id="175" name="Shape 175"/>
+        <p:cNvPr id="174" name="Shape 174"/>
         <p:cNvGrpSpPr/>
         <p:nvPr/>
       </p:nvGrpSpPr>
@@ -1017,7 +1016,7 @@
       </p:grpSpPr>
       <p:sp>
         <p:nvSpPr>
-          <p:cNvPr id="176" name="Google Shape;176;p9:notes"/>
+          <p:cNvPr id="175" name="Google Shape;175;p10:notes"/>
           <p:cNvSpPr txBox="1"/>
           <p:nvPr>
             <p:ph idx="1" type="body"/>
@@ -1056,106 +1055,7 @@
       </p:sp>
       <p:sp>
         <p:nvSpPr>
-          <p:cNvPr id="177" name="Google Shape;177;p9:notes"/>
-          <p:cNvSpPr/>
-          <p:nvPr>
-            <p:ph idx="2" type="sldImg"/>
-          </p:nvPr>
-        </p:nvSpPr>
-        <p:spPr>
-          <a:xfrm>
-            <a:off x="1143225" y="685800"/>
-            <a:ext cx="4572225" cy="3429000"/>
-          </a:xfrm>
-          <a:custGeom>
-            <a:rect b="b" l="l" r="r" t="t"/>
-            <a:pathLst>
-              <a:path extrusionOk="0" h="120000" w="120000">
-                <a:moveTo>
-                  <a:pt x="0" y="0"/>
-                </a:moveTo>
-                <a:lnTo>
-                  <a:pt x="120000" y="0"/>
-                </a:lnTo>
-                <a:lnTo>
-                  <a:pt x="120000" y="120000"/>
-                </a:lnTo>
-                <a:lnTo>
-                  <a:pt x="0" y="120000"/>
-                </a:lnTo>
-                <a:close/>
-              </a:path>
-            </a:pathLst>
-          </a:custGeom>
-        </p:spPr>
-      </p:sp>
-    </p:spTree>
-  </p:cSld>
-  <p:clrMapOvr>
-    <a:masterClrMapping/>
-  </p:clrMapOvr>
-</p:notes>
-</file>
-
-<file path=ppt/notesSlides/notesSlide13.xml><?xml version="1.0" encoding="utf-8"?>
-<p:notes xmlns:a="http://schemas.openxmlformats.org/drawingml/2006/main" xmlns:r="http://schemas.openxmlformats.org/officeDocument/2006/relationships" xmlns:mc="http://schemas.openxmlformats.org/markup-compatibility/2006" xmlns:mv="urn:schemas-microsoft-com:mac:vml" xmlns:p="http://schemas.openxmlformats.org/presentationml/2006/main" xmlns:c="http://schemas.openxmlformats.org/drawingml/2006/chart" xmlns:dgm="http://schemas.openxmlformats.org/drawingml/2006/diagram" xmlns:o="urn:schemas-microsoft-com:office:office" xmlns:v="urn:schemas-microsoft-com:vml" xmlns:pvml="urn:schemas-microsoft-com:office:powerpoint" xmlns:com="http://schemas.openxmlformats.org/drawingml/2006/compatibility" xmlns:p14="http://schemas.microsoft.com/office/powerpoint/2010/main" xmlns:p15="http://schemas.microsoft.com/office/powerpoint/2012/main" xmlns:ahyp="http://schemas.microsoft.com/office/drawing/2018/hyperlinkcolor" showMasterPhAnim="0" showMasterSp="0">
-  <p:cSld>
-    <p:spTree>
-      <p:nvGrpSpPr>
-        <p:cNvPr id="181" name="Shape 181"/>
-        <p:cNvGrpSpPr/>
-        <p:nvPr/>
-      </p:nvGrpSpPr>
-      <p:grpSpPr>
-        <a:xfrm>
-          <a:off x="0" y="0"/>
-          <a:ext cx="0" cy="0"/>
-          <a:chOff x="0" y="0"/>
-          <a:chExt cx="0" cy="0"/>
-        </a:xfrm>
-      </p:grpSpPr>
-      <p:sp>
-        <p:nvSpPr>
-          <p:cNvPr id="182" name="Google Shape;182;p10:notes"/>
-          <p:cNvSpPr txBox="1"/>
-          <p:nvPr>
-            <p:ph idx="1" type="body"/>
-          </p:nvPr>
-        </p:nvSpPr>
-        <p:spPr>
-          <a:xfrm>
-            <a:off x="685800" y="4343400"/>
-            <a:ext cx="5486400" cy="4114800"/>
-          </a:xfrm>
-          <a:prstGeom prst="rect">
-            <a:avLst/>
-          </a:prstGeom>
-        </p:spPr>
-        <p:txBody>
-          <a:bodyPr anchorCtr="0" anchor="t" bIns="91425" lIns="91425" spcFirstLastPara="1" rIns="91425" wrap="square" tIns="91425">
-            <a:noAutofit/>
-          </a:bodyPr>
-          <a:lstStyle/>
-          <a:p>
-            <a:pPr indent="0" lvl="0" marL="0" rtl="0" algn="l">
-              <a:spcBef>
-                <a:spcPts val="0"/>
-              </a:spcBef>
-              <a:spcAft>
-                <a:spcPts val="0"/>
-              </a:spcAft>
-              <a:buNone/>
-            </a:pPr>
-            <a:r>
-              <a:t/>
-            </a:r>
-            <a:endParaRPr/>
-          </a:p>
-        </p:txBody>
-      </p:sp>
-      <p:sp>
-        <p:nvSpPr>
-          <p:cNvPr id="183" name="Google Shape;183;p10:notes"/>
+          <p:cNvPr id="176" name="Google Shape;176;p10:notes"/>
           <p:cNvSpPr/>
           <p:nvPr>
             <p:ph idx="2" type="sldImg"/>
@@ -1908,7 +1808,7 @@
       </p:grpSpPr>
       <p:sp>
         <p:nvSpPr>
-          <p:cNvPr id="157" name="Google Shape;157;p6:notes"/>
+          <p:cNvPr id="157" name="Google Shape;157;p7:notes"/>
           <p:cNvSpPr txBox="1"/>
           <p:nvPr>
             <p:ph idx="1" type="body"/>
@@ -1947,7 +1847,7 @@
       </p:sp>
       <p:sp>
         <p:nvSpPr>
-          <p:cNvPr id="158" name="Google Shape;158;p6:notes"/>
+          <p:cNvPr id="158" name="Google Shape;158;p7:notes"/>
           <p:cNvSpPr/>
           <p:nvPr>
             <p:ph idx="2" type="sldImg"/>
@@ -14853,7 +14753,7 @@
   <p:cSld>
     <p:spTree>
       <p:nvGrpSpPr>
-        <p:cNvPr id="166" name="Shape 166"/>
+        <p:cNvPr id="165" name="Shape 165"/>
         <p:cNvGrpSpPr/>
         <p:nvPr/>
       </p:nvGrpSpPr>
@@ -14867,7 +14767,7 @@
       </p:grpSpPr>
       <p:sp>
         <p:nvSpPr>
-          <p:cNvPr id="167" name="Google Shape;167;p7"/>
+          <p:cNvPr id="166" name="Google Shape;166;p8"/>
           <p:cNvSpPr txBox="1"/>
           <p:nvPr>
             <p:ph type="title"/>
@@ -14911,7 +14811,7 @@
             </a:pPr>
             <a:r>
               <a:rPr lang="en-US"/>
-              <a:t>MAJOR OBSTACLE</a:t>
+              <a:t>INSIGHTS</a:t>
             </a:r>
             <a:endParaRPr/>
           </a:p>
@@ -14919,7 +14819,7 @@
       </p:sp>
       <p:sp>
         <p:nvSpPr>
-          <p:cNvPr id="168" name="Google Shape;168;p7"/>
+          <p:cNvPr id="167" name="Google Shape;167;p8"/>
           <p:cNvSpPr txBox="1"/>
           <p:nvPr>
             <p:ph idx="1" type="body"/>
@@ -14927,8 +14827,8 @@
         </p:nvSpPr>
         <p:spPr>
           <a:xfrm>
-            <a:off x="700635" y="2221992"/>
-            <a:ext cx="10691265" cy="3739896"/>
+            <a:off x="700635" y="2039092"/>
+            <a:ext cx="10691400" cy="3739800"/>
           </a:xfrm>
           <a:prstGeom prst="rect">
             <a:avLst/>
@@ -14940,105 +14840,76 @@
         </p:spPr>
         <p:txBody>
           <a:bodyPr anchorCtr="0" anchor="t" bIns="45700" lIns="91425" spcFirstLastPara="1" rIns="91425" wrap="square" tIns="45700">
-            <a:normAutofit/>
+            <a:noAutofit/>
           </a:bodyPr>
           <a:lstStyle/>
           <a:p>
             <a:pPr indent="-342900" lvl="0" marL="457200" rtl="0" algn="l">
               <a:lnSpc>
-                <a:spcPct val="110000"/>
-              </a:lnSpc>
-              <a:spcBef>
-                <a:spcPts val="0"/>
+                <a:spcPct val="95833"/>
+              </a:lnSpc>
+              <a:spcBef>
+                <a:spcPts val="1200"/>
               </a:spcBef>
               <a:spcAft>
                 <a:spcPts val="0"/>
               </a:spcAft>
               <a:buSzPts val="1800"/>
-              <a:buChar char="•"/>
+              <a:buFont typeface="Lustria"/>
+              <a:buChar char="●"/>
             </a:pPr>
             <a:r>
-              <a:rPr lang="en-US"/>
-              <a:t>A </a:t>
+              <a:rPr lang="en-US" sz="1800"/>
+              <a:t>Transfer Learning is Essential: A custom CNN struggled, while VGG16 provided a strong base.</a:t>
             </a:r>
-            <a:r>
-              <a:rPr lang="en-US"/>
-              <a:t>major obstacle encountered in the project was picking and experimenting with</a:t>
-            </a:r>
-            <a:endParaRPr/>
+            <a:endParaRPr sz="1800"/>
           </a:p>
           <a:p>
-            <a:pPr indent="-101600" lvl="0" marL="228600" rtl="0" algn="l">
-              <a:lnSpc>
-                <a:spcPct val="110000"/>
-              </a:lnSpc>
-              <a:spcBef>
-                <a:spcPts val="0"/>
-              </a:spcBef>
-              <a:spcAft>
-                <a:spcPts val="0"/>
-              </a:spcAft>
-              <a:buClr>
-                <a:schemeClr val="dk1"/>
-              </a:buClr>
-              <a:buSzPts val="2000"/>
-              <a:buNone/>
-            </a:pPr>
-            <a:r>
-              <a:rPr lang="en-US"/>
-              <a:t>hyperparameters for the transfer learning model, as this process was time consuming </a:t>
-            </a:r>
-            <a:endParaRPr/>
-          </a:p>
-          <a:p>
-            <a:pPr indent="0" lvl="0" marL="127000" rtl="0" algn="l">
-              <a:lnSpc>
-                <a:spcPct val="110000"/>
-              </a:lnSpc>
-              <a:spcBef>
-                <a:spcPts val="0"/>
-              </a:spcBef>
-              <a:spcAft>
-                <a:spcPts val="0"/>
-              </a:spcAft>
-              <a:buClr>
-                <a:schemeClr val="dk1"/>
-              </a:buClr>
-              <a:buSzPts val="2000"/>
+            <a:pPr indent="0" lvl="0" marL="457200" rtl="0" algn="l">
+              <a:lnSpc>
+                <a:spcPct val="95833"/>
+              </a:lnSpc>
+              <a:spcBef>
+                <a:spcPts val="1200"/>
+              </a:spcBef>
+              <a:spcAft>
+                <a:spcPts val="0"/>
+              </a:spcAft>
               <a:buNone/>
             </a:pPr>
             <a:r>
               <a:t/>
             </a:r>
-            <a:endParaRPr/>
+            <a:endParaRPr sz="1800"/>
           </a:p>
           <a:p>
             <a:pPr indent="-342900" lvl="0" marL="457200" rtl="0" algn="l">
               <a:lnSpc>
-                <a:spcPct val="110000"/>
-              </a:lnSpc>
-              <a:spcBef>
-                <a:spcPts val="0"/>
+                <a:spcPct val="95833"/>
+              </a:lnSpc>
+              <a:spcBef>
+                <a:spcPts val="1200"/>
               </a:spcBef>
               <a:spcAft>
                 <a:spcPts val="0"/>
               </a:spcAft>
               <a:buSzPts val="1800"/>
-              <a:buChar char="•"/>
+              <a:buFont typeface="Lustria"/>
+              <a:buChar char="●"/>
             </a:pPr>
             <a:r>
-              <a:rPr lang="en-US"/>
-              <a:t>A significant amount of time was needed in order to test the model multiple times every time there was an adjustment in a hyperparameter</a:t>
+              <a:rPr lang="en-US" sz="1800"/>
+              <a:t>Fine-Tuning is More Effective Than Feature Extraction Alone: Unlocking the last two blocks of VGG16 improved accuracy significantly.</a:t>
             </a:r>
-            <a:endParaRPr/>
+            <a:endParaRPr sz="1800"/>
           </a:p>
           <a:p>
             <a:pPr indent="0" lvl="0" marL="457200" rtl="0" algn="l">
               <a:lnSpc>
-                <a:spcPct val="110000"/>
-              </a:lnSpc>
-              <a:spcBef>
-                <a:spcPts val="0"/>
+                <a:spcPct val="95833"/>
+              </a:lnSpc>
+              <a:spcBef>
+                <a:spcPts val="1200"/>
               </a:spcBef>
               <a:spcAft>
                 <a:spcPts val="0"/>
@@ -15048,27 +14919,89 @@
             <a:r>
               <a:t/>
             </a:r>
-            <a:endParaRPr/>
+            <a:endParaRPr sz="1800"/>
           </a:p>
           <a:p>
             <a:pPr indent="-342900" lvl="0" marL="457200" rtl="0" algn="l">
               <a:lnSpc>
-                <a:spcPct val="110000"/>
-              </a:lnSpc>
-              <a:spcBef>
-                <a:spcPts val="0"/>
+                <a:spcPct val="95833"/>
+              </a:lnSpc>
+              <a:spcBef>
+                <a:spcPts val="1200"/>
               </a:spcBef>
               <a:spcAft>
                 <a:spcPts val="0"/>
               </a:spcAft>
               <a:buSzPts val="1800"/>
-              <a:buChar char="•"/>
+              <a:buFont typeface="Lustria"/>
+              <a:buChar char="●"/>
             </a:pPr>
             <a:r>
-              <a:rPr lang="en-US"/>
-              <a:t>Trying to get the model’s accuracy to be more than 80% on average was also a major obstacle, since it required precise fine tuning in order to get it above that threshold</a:t>
+              <a:rPr lang="en-US" sz="1800"/>
+              <a:t>Data Augmentation Helps: Small transformations (rotation, zoom, flips) led to better generalization.</a:t>
             </a:r>
-            <a:endParaRPr/>
+            <a:endParaRPr sz="1800"/>
+          </a:p>
+          <a:p>
+            <a:pPr indent="0" lvl="0" marL="457200" rtl="0" algn="l">
+              <a:lnSpc>
+                <a:spcPct val="95833"/>
+              </a:lnSpc>
+              <a:spcBef>
+                <a:spcPts val="1200"/>
+              </a:spcBef>
+              <a:spcAft>
+                <a:spcPts val="0"/>
+              </a:spcAft>
+              <a:buNone/>
+            </a:pPr>
+            <a:r>
+              <a:t/>
+            </a:r>
+            <a:endParaRPr sz="1800"/>
+          </a:p>
+          <a:p>
+            <a:pPr indent="-342900" lvl="0" marL="457200" rtl="0" algn="l">
+              <a:lnSpc>
+                <a:spcPct val="95833"/>
+              </a:lnSpc>
+              <a:spcBef>
+                <a:spcPts val="1200"/>
+              </a:spcBef>
+              <a:spcAft>
+                <a:spcPts val="0"/>
+              </a:spcAft>
+              <a:buSzPts val="1800"/>
+              <a:buFont typeface="Lustria"/>
+              <a:buChar char="●"/>
+            </a:pPr>
+            <a:r>
+              <a:rPr lang="en-US" sz="1800"/>
+              <a:t>Hyperparameter Tuning is Crucial: Reducing L2 regularization and learning rate prevented over-penalization and improved accuracy.</a:t>
+            </a:r>
+            <a:endParaRPr sz="1800"/>
+          </a:p>
+          <a:p>
+            <a:pPr indent="-101600" lvl="0" marL="228600" rtl="0" algn="l">
+              <a:lnSpc>
+                <a:spcPct val="90000"/>
+              </a:lnSpc>
+              <a:spcBef>
+                <a:spcPts val="1200"/>
+              </a:spcBef>
+              <a:spcAft>
+                <a:spcPts val="0"/>
+              </a:spcAft>
+              <a:buClr>
+                <a:schemeClr val="dk1"/>
+              </a:buClr>
+              <a:buSzPts val="2000"/>
+              <a:buNone/>
+            </a:pPr>
+            <a:r>
+              <a:t/>
+            </a:r>
+            <a:endParaRPr sz="2600"/>
           </a:p>
         </p:txBody>
       </p:sp>
@@ -15085,7 +15018,7 @@
   <p:cSld>
     <p:spTree>
       <p:nvGrpSpPr>
-        <p:cNvPr id="172" name="Shape 172"/>
+        <p:cNvPr id="171" name="Shape 171"/>
         <p:cNvGrpSpPr/>
         <p:nvPr/>
       </p:nvGrpSpPr>
@@ -15099,7 +15032,7 @@
       </p:grpSpPr>
       <p:sp>
         <p:nvSpPr>
-          <p:cNvPr id="173" name="Google Shape;173;p8"/>
+          <p:cNvPr id="172" name="Google Shape;172;p9"/>
           <p:cNvSpPr txBox="1"/>
           <p:nvPr>
             <p:ph type="title"/>
@@ -15143,271 +15076,6 @@
             </a:pPr>
             <a:r>
               <a:rPr lang="en-US"/>
-              <a:t>INSIGHTS</a:t>
-            </a:r>
-            <a:endParaRPr/>
-          </a:p>
-        </p:txBody>
-      </p:sp>
-      <p:sp>
-        <p:nvSpPr>
-          <p:cNvPr id="174" name="Google Shape;174;p8"/>
-          <p:cNvSpPr txBox="1"/>
-          <p:nvPr>
-            <p:ph idx="1" type="body"/>
-          </p:nvPr>
-        </p:nvSpPr>
-        <p:spPr>
-          <a:xfrm>
-            <a:off x="700635" y="2039092"/>
-            <a:ext cx="10691400" cy="3739800"/>
-          </a:xfrm>
-          <a:prstGeom prst="rect">
-            <a:avLst/>
-          </a:prstGeom>
-          <a:noFill/>
-          <a:ln>
-            <a:noFill/>
-          </a:ln>
-        </p:spPr>
-        <p:txBody>
-          <a:bodyPr anchorCtr="0" anchor="t" bIns="45700" lIns="91425" spcFirstLastPara="1" rIns="91425" wrap="square" tIns="45700">
-            <a:noAutofit/>
-          </a:bodyPr>
-          <a:lstStyle/>
-          <a:p>
-            <a:pPr indent="-342900" lvl="0" marL="457200" rtl="0" algn="l">
-              <a:lnSpc>
-                <a:spcPct val="95833"/>
-              </a:lnSpc>
-              <a:spcBef>
-                <a:spcPts val="1200"/>
-              </a:spcBef>
-              <a:spcAft>
-                <a:spcPts val="0"/>
-              </a:spcAft>
-              <a:buSzPts val="1800"/>
-              <a:buFont typeface="Lustria"/>
-              <a:buChar char="●"/>
-            </a:pPr>
-            <a:r>
-              <a:rPr lang="en-US" sz="1800"/>
-              <a:t>Transfer Learning is Essential: A custom CNN struggled, while VGG16 provided a strong base.</a:t>
-            </a:r>
-            <a:endParaRPr sz="1800"/>
-          </a:p>
-          <a:p>
-            <a:pPr indent="0" lvl="0" marL="457200" rtl="0" algn="l">
-              <a:lnSpc>
-                <a:spcPct val="95833"/>
-              </a:lnSpc>
-              <a:spcBef>
-                <a:spcPts val="1200"/>
-              </a:spcBef>
-              <a:spcAft>
-                <a:spcPts val="0"/>
-              </a:spcAft>
-              <a:buNone/>
-            </a:pPr>
-            <a:r>
-              <a:t/>
-            </a:r>
-            <a:endParaRPr sz="1800"/>
-          </a:p>
-          <a:p>
-            <a:pPr indent="-342900" lvl="0" marL="457200" rtl="0" algn="l">
-              <a:lnSpc>
-                <a:spcPct val="95833"/>
-              </a:lnSpc>
-              <a:spcBef>
-                <a:spcPts val="1200"/>
-              </a:spcBef>
-              <a:spcAft>
-                <a:spcPts val="0"/>
-              </a:spcAft>
-              <a:buSzPts val="1800"/>
-              <a:buFont typeface="Lustria"/>
-              <a:buChar char="●"/>
-            </a:pPr>
-            <a:r>
-              <a:rPr lang="en-US" sz="1800"/>
-              <a:t>Fine-Tuning is More Effective Than Feature Extraction Alone: Unlocking the last two blocks of VGG16 improved accuracy significantly.</a:t>
-            </a:r>
-            <a:endParaRPr sz="1800"/>
-          </a:p>
-          <a:p>
-            <a:pPr indent="0" lvl="0" marL="457200" rtl="0" algn="l">
-              <a:lnSpc>
-                <a:spcPct val="95833"/>
-              </a:lnSpc>
-              <a:spcBef>
-                <a:spcPts val="1200"/>
-              </a:spcBef>
-              <a:spcAft>
-                <a:spcPts val="0"/>
-              </a:spcAft>
-              <a:buNone/>
-            </a:pPr>
-            <a:r>
-              <a:t/>
-            </a:r>
-            <a:endParaRPr sz="1800"/>
-          </a:p>
-          <a:p>
-            <a:pPr indent="-342900" lvl="0" marL="457200" rtl="0" algn="l">
-              <a:lnSpc>
-                <a:spcPct val="95833"/>
-              </a:lnSpc>
-              <a:spcBef>
-                <a:spcPts val="1200"/>
-              </a:spcBef>
-              <a:spcAft>
-                <a:spcPts val="0"/>
-              </a:spcAft>
-              <a:buSzPts val="1800"/>
-              <a:buFont typeface="Lustria"/>
-              <a:buChar char="●"/>
-            </a:pPr>
-            <a:r>
-              <a:rPr lang="en-US" sz="1800"/>
-              <a:t>Data Augmentation Helps: Small transformations (rotation, zoom, flips) led to better generalization.</a:t>
-            </a:r>
-            <a:endParaRPr sz="1800"/>
-          </a:p>
-          <a:p>
-            <a:pPr indent="0" lvl="0" marL="457200" rtl="0" algn="l">
-              <a:lnSpc>
-                <a:spcPct val="95833"/>
-              </a:lnSpc>
-              <a:spcBef>
-                <a:spcPts val="1200"/>
-              </a:spcBef>
-              <a:spcAft>
-                <a:spcPts val="0"/>
-              </a:spcAft>
-              <a:buNone/>
-            </a:pPr>
-            <a:r>
-              <a:t/>
-            </a:r>
-            <a:endParaRPr sz="1800"/>
-          </a:p>
-          <a:p>
-            <a:pPr indent="-342900" lvl="0" marL="457200" rtl="0" algn="l">
-              <a:lnSpc>
-                <a:spcPct val="95833"/>
-              </a:lnSpc>
-              <a:spcBef>
-                <a:spcPts val="1200"/>
-              </a:spcBef>
-              <a:spcAft>
-                <a:spcPts val="0"/>
-              </a:spcAft>
-              <a:buSzPts val="1800"/>
-              <a:buFont typeface="Lustria"/>
-              <a:buChar char="●"/>
-            </a:pPr>
-            <a:r>
-              <a:rPr lang="en-US" sz="1800"/>
-              <a:t>Hyperparameter Tuning is Crucial: Reducing L2 regularization and learning rate prevented over-penalization and improved accuracy.</a:t>
-            </a:r>
-            <a:endParaRPr sz="1800"/>
-          </a:p>
-          <a:p>
-            <a:pPr indent="-101600" lvl="0" marL="228600" rtl="0" algn="l">
-              <a:lnSpc>
-                <a:spcPct val="90000"/>
-              </a:lnSpc>
-              <a:spcBef>
-                <a:spcPts val="1200"/>
-              </a:spcBef>
-              <a:spcAft>
-                <a:spcPts val="0"/>
-              </a:spcAft>
-              <a:buClr>
-                <a:schemeClr val="dk1"/>
-              </a:buClr>
-              <a:buSzPts val="2000"/>
-              <a:buNone/>
-            </a:pPr>
-            <a:r>
-              <a:t/>
-            </a:r>
-            <a:endParaRPr sz="2600"/>
-          </a:p>
-        </p:txBody>
-      </p:sp>
-    </p:spTree>
-  </p:cSld>
-  <p:clrMapOvr>
-    <a:masterClrMapping/>
-  </p:clrMapOvr>
-</p:sld>
-</file>
-
-<file path=ppt/slides/slide12.xml><?xml version="1.0" encoding="utf-8"?>
-<p:sld xmlns:a="http://schemas.openxmlformats.org/drawingml/2006/main" xmlns:r="http://schemas.openxmlformats.org/officeDocument/2006/relationships" xmlns:mc="http://schemas.openxmlformats.org/markup-compatibility/2006" xmlns:mv="urn:schemas-microsoft-com:mac:vml" xmlns:p="http://schemas.openxmlformats.org/presentationml/2006/main" xmlns:c="http://schemas.openxmlformats.org/drawingml/2006/chart" xmlns:dgm="http://schemas.openxmlformats.org/drawingml/2006/diagram" xmlns:o="urn:schemas-microsoft-com:office:office" xmlns:v="urn:schemas-microsoft-com:vml" xmlns:pvml="urn:schemas-microsoft-com:office:powerpoint" xmlns:com="http://schemas.openxmlformats.org/drawingml/2006/compatibility" xmlns:p14="http://schemas.microsoft.com/office/powerpoint/2010/main" xmlns:p15="http://schemas.microsoft.com/office/powerpoint/2012/main" xmlns:ahyp="http://schemas.microsoft.com/office/drawing/2018/hyperlinkcolor">
-  <p:cSld>
-    <p:spTree>
-      <p:nvGrpSpPr>
-        <p:cNvPr id="178" name="Shape 178"/>
-        <p:cNvGrpSpPr/>
-        <p:nvPr/>
-      </p:nvGrpSpPr>
-      <p:grpSpPr>
-        <a:xfrm>
-          <a:off x="0" y="0"/>
-          <a:ext cx="0" cy="0"/>
-          <a:chOff x="0" y="0"/>
-          <a:chExt cx="0" cy="0"/>
-        </a:xfrm>
-      </p:grpSpPr>
-      <p:sp>
-        <p:nvSpPr>
-          <p:cNvPr id="179" name="Google Shape;179;p9"/>
-          <p:cNvSpPr txBox="1"/>
-          <p:nvPr>
-            <p:ph type="title"/>
-          </p:nvPr>
-        </p:nvSpPr>
-        <p:spPr>
-          <a:xfrm>
-            <a:off x="700635" y="914400"/>
-            <a:ext cx="10691265" cy="1307592"/>
-          </a:xfrm>
-          <a:prstGeom prst="rect">
-            <a:avLst/>
-          </a:prstGeom>
-          <a:noFill/>
-          <a:ln>
-            <a:noFill/>
-          </a:ln>
-        </p:spPr>
-        <p:txBody>
-          <a:bodyPr anchorCtr="0" anchor="t" bIns="45700" lIns="91425" spcFirstLastPara="1" rIns="91425" wrap="square" tIns="45700">
-            <a:normAutofit/>
-          </a:bodyPr>
-          <a:lstStyle/>
-          <a:p>
-            <a:pPr indent="0" lvl="0" marL="0" rtl="0" algn="l">
-              <a:lnSpc>
-                <a:spcPct val="100000"/>
-              </a:lnSpc>
-              <a:spcBef>
-                <a:spcPts val="0"/>
-              </a:spcBef>
-              <a:spcAft>
-                <a:spcPts val="0"/>
-              </a:spcAft>
-              <a:buClr>
-                <a:schemeClr val="dk1"/>
-              </a:buClr>
-              <a:buSzPts val="4000"/>
-              <a:buFont typeface="Open Sans"/>
-              <a:buNone/>
-            </a:pPr>
-            <a:r>
-              <a:rPr lang="en-US"/>
               <a:t>CONCLUSION</a:t>
             </a:r>
             <a:endParaRPr/>
@@ -15416,7 +15084,7 @@
       </p:sp>
       <p:sp>
         <p:nvSpPr>
-          <p:cNvPr id="180" name="Google Shape;180;p9"/>
+          <p:cNvPr id="173" name="Google Shape;173;p9"/>
           <p:cNvSpPr txBox="1"/>
           <p:nvPr>
             <p:ph idx="1" type="body"/>
@@ -15549,12 +15217,12 @@
 </p:sld>
 </file>
 
-<file path=ppt/slides/slide13.xml><?xml version="1.0" encoding="utf-8"?>
+<file path=ppt/slides/slide12.xml><?xml version="1.0" encoding="utf-8"?>
 <p:sld xmlns:a="http://schemas.openxmlformats.org/drawingml/2006/main" xmlns:r="http://schemas.openxmlformats.org/officeDocument/2006/relationships" xmlns:mc="http://schemas.openxmlformats.org/markup-compatibility/2006" xmlns:mv="urn:schemas-microsoft-com:mac:vml" xmlns:p="http://schemas.openxmlformats.org/presentationml/2006/main" xmlns:c="http://schemas.openxmlformats.org/drawingml/2006/chart" xmlns:dgm="http://schemas.openxmlformats.org/drawingml/2006/diagram" xmlns:o="urn:schemas-microsoft-com:office:office" xmlns:v="urn:schemas-microsoft-com:vml" xmlns:pvml="urn:schemas-microsoft-com:office:powerpoint" xmlns:com="http://schemas.openxmlformats.org/drawingml/2006/compatibility" xmlns:p14="http://schemas.microsoft.com/office/powerpoint/2010/main" xmlns:p15="http://schemas.microsoft.com/office/powerpoint/2012/main" xmlns:ahyp="http://schemas.microsoft.com/office/drawing/2018/hyperlinkcolor">
   <p:cSld>
     <p:spTree>
       <p:nvGrpSpPr>
-        <p:cNvPr id="184" name="Shape 184"/>
+        <p:cNvPr id="177" name="Shape 177"/>
         <p:cNvGrpSpPr/>
         <p:nvPr/>
       </p:nvGrpSpPr>
@@ -15568,7 +15236,7 @@
       </p:grpSpPr>
       <p:sp>
         <p:nvSpPr>
-          <p:cNvPr id="185" name="Google Shape;185;p10"/>
+          <p:cNvPr id="178" name="Google Shape;178;p10"/>
           <p:cNvSpPr txBox="1"/>
           <p:nvPr>
             <p:ph type="title"/>
@@ -15576,7 +15244,7 @@
         </p:nvSpPr>
         <p:spPr>
           <a:xfrm>
-            <a:off x="658922" y="914400"/>
+            <a:off x="750297" y="2907800"/>
             <a:ext cx="10691400" cy="1307700"/>
           </a:xfrm>
           <a:prstGeom prst="rect">
@@ -15620,7 +15288,7 @@
       </p:sp>
       <p:sp>
         <p:nvSpPr>
-          <p:cNvPr id="186" name="Google Shape;186;p10"/>
+          <p:cNvPr id="179" name="Google Shape;179;p10"/>
           <p:cNvSpPr txBox="1"/>
           <p:nvPr>
             <p:ph idx="4294967295" type="subTitle"/>
@@ -15687,58 +15355,6 @@
             <a:r>
               <a:rPr lang="en-US" sz="1800"/>
               <a:t>Harid Lopez</a:t>
-            </a:r>
-            <a:endParaRPr/>
-          </a:p>
-        </p:txBody>
-      </p:sp>
-      <p:sp>
-        <p:nvSpPr>
-          <p:cNvPr id="187" name="Google Shape;187;p10"/>
-          <p:cNvSpPr txBox="1"/>
-          <p:nvPr>
-            <p:ph idx="4294967295" type="ctrTitle"/>
-          </p:nvPr>
-        </p:nvSpPr>
-        <p:spPr>
-          <a:xfrm>
-            <a:off x="2404865" y="2868085"/>
-            <a:ext cx="7983000" cy="974400"/>
-          </a:xfrm>
-          <a:prstGeom prst="rect">
-            <a:avLst/>
-          </a:prstGeom>
-          <a:noFill/>
-          <a:ln>
-            <a:noFill/>
-          </a:ln>
-        </p:spPr>
-        <p:txBody>
-          <a:bodyPr anchorCtr="0" anchor="ctr" bIns="45700" lIns="91425" spcFirstLastPara="1" rIns="91425" wrap="square" tIns="45700">
-            <a:normAutofit/>
-          </a:bodyPr>
-          <a:lstStyle/>
-          <a:p>
-            <a:pPr indent="0" lvl="0" marL="0" rtl="0" algn="l">
-              <a:lnSpc>
-                <a:spcPct val="100000"/>
-              </a:lnSpc>
-              <a:spcBef>
-                <a:spcPts val="0"/>
-              </a:spcBef>
-              <a:spcAft>
-                <a:spcPts val="0"/>
-              </a:spcAft>
-              <a:buClr>
-                <a:schemeClr val="lt1"/>
-              </a:buClr>
-              <a:buSzPts val="3600"/>
-              <a:buFont typeface="Open Sans"/>
-              <a:buNone/>
-            </a:pPr>
-            <a:r>
-              <a:rPr lang="en-US" sz="3600"/>
-              <a:t>IMAGE CLASSIFICATION WITH CNN</a:t>
             </a:r>
             <a:endParaRPr/>
           </a:p>
@@ -18289,7 +17905,7 @@
       </p:grpSpPr>
       <p:sp>
         <p:nvSpPr>
-          <p:cNvPr id="160" name="Google Shape;160;p6"/>
+          <p:cNvPr id="160" name="Google Shape;160;p7"/>
           <p:cNvSpPr txBox="1"/>
           <p:nvPr>
             <p:ph type="title"/>
@@ -18333,7 +17949,7 @@
             </a:pPr>
             <a:r>
               <a:rPr lang="en-US"/>
-              <a:t>TEAMWORK AND PROJECT MANAGEMENT</a:t>
+              <a:t>MAJOR OBSTACLE</a:t>
             </a:r>
             <a:endParaRPr/>
           </a:p>
@@ -18341,7 +17957,7 @@
       </p:sp>
       <p:sp>
         <p:nvSpPr>
-          <p:cNvPr id="161" name="Google Shape;161;p6"/>
+          <p:cNvPr id="161" name="Google Shape;161;p7"/>
           <p:cNvSpPr txBox="1"/>
           <p:nvPr>
             <p:ph idx="1" type="body"/>
@@ -18349,8 +17965,8 @@
         </p:nvSpPr>
         <p:spPr>
           <a:xfrm>
-            <a:off x="704088" y="2221992"/>
-            <a:ext cx="5212200" cy="3739800"/>
+            <a:off x="700635" y="2221992"/>
+            <a:ext cx="10691265" cy="3739896"/>
           </a:xfrm>
           <a:prstGeom prst="rect">
             <a:avLst/>
@@ -18366,29 +17982,6 @@
           </a:bodyPr>
           <a:lstStyle/>
           <a:p>
-            <a:pPr indent="-101600" lvl="0" marL="228600" rtl="0" algn="l">
-              <a:lnSpc>
-                <a:spcPct val="110000"/>
-              </a:lnSpc>
-              <a:spcBef>
-                <a:spcPts val="0"/>
-              </a:spcBef>
-              <a:spcAft>
-                <a:spcPts val="0"/>
-              </a:spcAft>
-              <a:buClr>
-                <a:schemeClr val="dk1"/>
-              </a:buClr>
-              <a:buSzPts val="2000"/>
-              <a:buNone/>
-            </a:pPr>
-            <a:r>
-              <a:rPr b="1" lang="en-US" sz="2800"/>
-              <a:t>Harid</a:t>
-            </a:r>
-            <a:endParaRPr b="1"/>
-          </a:p>
-          <a:p>
             <a:pPr indent="-342900" lvl="0" marL="457200" rtl="0" algn="l">
               <a:lnSpc>
                 <a:spcPct val="110000"/>
@@ -18404,7 +17997,56 @@
             </a:pPr>
             <a:r>
               <a:rPr lang="en-US"/>
-              <a:t>Model architecture</a:t>
+              <a:t>A </a:t>
+            </a:r>
+            <a:r>
+              <a:rPr lang="en-US"/>
+              <a:t>major obstacle encountered in the project was picking and experimenting with</a:t>
+            </a:r>
+            <a:endParaRPr/>
+          </a:p>
+          <a:p>
+            <a:pPr indent="-101600" lvl="0" marL="228600" rtl="0" algn="l">
+              <a:lnSpc>
+                <a:spcPct val="110000"/>
+              </a:lnSpc>
+              <a:spcBef>
+                <a:spcPts val="0"/>
+              </a:spcBef>
+              <a:spcAft>
+                <a:spcPts val="0"/>
+              </a:spcAft>
+              <a:buClr>
+                <a:schemeClr val="dk1"/>
+              </a:buClr>
+              <a:buSzPts val="2000"/>
+              <a:buNone/>
+            </a:pPr>
+            <a:r>
+              <a:rPr lang="en-US"/>
+              <a:t>hyperparameters for the transfer learning model, as this process was time consuming </a:t>
+            </a:r>
+            <a:endParaRPr/>
+          </a:p>
+          <a:p>
+            <a:pPr indent="0" lvl="0" marL="127000" rtl="0" algn="l">
+              <a:lnSpc>
+                <a:spcPct val="110000"/>
+              </a:lnSpc>
+              <a:spcBef>
+                <a:spcPts val="0"/>
+              </a:spcBef>
+              <a:spcAft>
+                <a:spcPts val="0"/>
+              </a:spcAft>
+              <a:buClr>
+                <a:schemeClr val="dk1"/>
+              </a:buClr>
+              <a:buSzPts val="2000"/>
+              <a:buNone/>
+            </a:pPr>
+            <a:r>
+              <a:t/>
             </a:r>
             <a:endParaRPr/>
           </a:p>
@@ -18424,7 +18066,25 @@
             </a:pPr>
             <a:r>
               <a:rPr lang="en-US"/>
-              <a:t>Model training</a:t>
+              <a:t>A significant amount of time was needed in order to test the model multiple times every time there was an adjustment in a hyperparameter</a:t>
+            </a:r>
+            <a:endParaRPr/>
+          </a:p>
+          <a:p>
+            <a:pPr indent="0" lvl="0" marL="457200" rtl="0" algn="l">
+              <a:lnSpc>
+                <a:spcPct val="110000"/>
+              </a:lnSpc>
+              <a:spcBef>
+                <a:spcPts val="0"/>
+              </a:spcBef>
+              <a:spcAft>
+                <a:spcPts val="0"/>
+              </a:spcAft>
+              <a:buNone/>
+            </a:pPr>
+            <a:r>
+              <a:t/>
             </a:r>
             <a:endParaRPr/>
           </a:p>
@@ -18444,213 +18104,7 @@
             </a:pPr>
             <a:r>
               <a:rPr lang="en-US"/>
-              <a:t>Model Metrics</a:t>
-            </a:r>
-            <a:endParaRPr/>
-          </a:p>
-          <a:p>
-            <a:pPr indent="-342900" lvl="0" marL="457200" rtl="0" algn="l">
-              <a:lnSpc>
-                <a:spcPct val="110000"/>
-              </a:lnSpc>
-              <a:spcBef>
-                <a:spcPts val="0"/>
-              </a:spcBef>
-              <a:spcAft>
-                <a:spcPts val="0"/>
-              </a:spcAft>
-              <a:buSzPts val="1800"/>
-              <a:buChar char="•"/>
-            </a:pPr>
-            <a:r>
-              <a:rPr lang="en-US"/>
-              <a:t>Transfer Learning</a:t>
-            </a:r>
-            <a:endParaRPr/>
-          </a:p>
-          <a:p>
-            <a:pPr indent="-342900" lvl="0" marL="457200" rtl="0" algn="l">
-              <a:lnSpc>
-                <a:spcPct val="110000"/>
-              </a:lnSpc>
-              <a:spcBef>
-                <a:spcPts val="0"/>
-              </a:spcBef>
-              <a:spcAft>
-                <a:spcPts val="0"/>
-              </a:spcAft>
-              <a:buSzPts val="1800"/>
-              <a:buChar char="•"/>
-            </a:pPr>
-            <a:r>
-              <a:rPr lang="en-US"/>
-              <a:t>Presentation</a:t>
-            </a:r>
-            <a:endParaRPr/>
-          </a:p>
-          <a:p>
-            <a:pPr indent="-342900" lvl="0" marL="457200" rtl="0" algn="l">
-              <a:lnSpc>
-                <a:spcPct val="110000"/>
-              </a:lnSpc>
-              <a:spcBef>
-                <a:spcPts val="0"/>
-              </a:spcBef>
-              <a:spcAft>
-                <a:spcPts val="0"/>
-              </a:spcAft>
-              <a:buSzPts val="1800"/>
-              <a:buChar char="•"/>
-            </a:pPr>
-            <a:r>
-              <a:rPr lang="en-US"/>
-              <a:t>Generating report</a:t>
-            </a:r>
-            <a:endParaRPr/>
-          </a:p>
-        </p:txBody>
-      </p:sp>
-      <p:sp>
-        <p:nvSpPr>
-          <p:cNvPr id="162" name="Google Shape;162;p6"/>
-          <p:cNvSpPr txBox="1"/>
-          <p:nvPr>
-            <p:ph idx="2" type="body"/>
-          </p:nvPr>
-        </p:nvSpPr>
-        <p:spPr>
-          <a:xfrm>
-            <a:off x="6179694" y="2221992"/>
-            <a:ext cx="5212200" cy="3739800"/>
-          </a:xfrm>
-          <a:prstGeom prst="rect">
-            <a:avLst/>
-          </a:prstGeom>
-        </p:spPr>
-        <p:txBody>
-          <a:bodyPr anchorCtr="0" anchor="t" bIns="45700" lIns="91425" spcFirstLastPara="1" rIns="91425" wrap="square" tIns="45700">
-            <a:normAutofit/>
-          </a:bodyPr>
-          <a:lstStyle/>
-          <a:p>
-            <a:pPr indent="0" lvl="0" marL="0" rtl="0" algn="l">
-              <a:spcBef>
-                <a:spcPts val="1000"/>
-              </a:spcBef>
-              <a:spcAft>
-                <a:spcPts val="0"/>
-              </a:spcAft>
-              <a:buNone/>
-            </a:pPr>
-            <a:r>
-              <a:rPr b="1" lang="en-US" sz="2700"/>
-              <a:t>J</a:t>
-            </a:r>
-            <a:r>
-              <a:rPr b="1" lang="en-US" sz="2700"/>
-              <a:t>arian</a:t>
-            </a:r>
-            <a:endParaRPr b="1" sz="2700"/>
-          </a:p>
-          <a:p>
-            <a:pPr indent="-342900" lvl="0" marL="457200" rtl="0" algn="l">
-              <a:spcBef>
-                <a:spcPts val="0"/>
-              </a:spcBef>
-              <a:spcAft>
-                <a:spcPts val="0"/>
-              </a:spcAft>
-              <a:buSzPts val="1800"/>
-              <a:buChar char="•"/>
-            </a:pPr>
-            <a:r>
-              <a:rPr lang="en-US"/>
-              <a:t>Preprocess data</a:t>
-            </a:r>
-            <a:endParaRPr/>
-          </a:p>
-          <a:p>
-            <a:pPr indent="-342900" lvl="0" marL="457200" rtl="0" algn="l">
-              <a:spcBef>
-                <a:spcPts val="0"/>
-              </a:spcBef>
-              <a:spcAft>
-                <a:spcPts val="0"/>
-              </a:spcAft>
-              <a:buSzPts val="1800"/>
-              <a:buChar char="•"/>
-            </a:pPr>
-            <a:r>
-              <a:rPr lang="en-US"/>
-              <a:t>Model metrics</a:t>
-            </a:r>
-            <a:endParaRPr/>
-          </a:p>
-          <a:p>
-            <a:pPr indent="-342900" lvl="0" marL="457200" rtl="0" algn="l">
-              <a:spcBef>
-                <a:spcPts val="0"/>
-              </a:spcBef>
-              <a:spcAft>
-                <a:spcPts val="0"/>
-              </a:spcAft>
-              <a:buSzPts val="1800"/>
-              <a:buChar char="•"/>
-            </a:pPr>
-            <a:r>
-              <a:rPr lang="en-US"/>
-              <a:t>Model training</a:t>
-            </a:r>
-            <a:endParaRPr/>
-          </a:p>
-          <a:p>
-            <a:pPr indent="-342900" lvl="0" marL="457200" rtl="0" algn="l">
-              <a:spcBef>
-                <a:spcPts val="0"/>
-              </a:spcBef>
-              <a:spcAft>
-                <a:spcPts val="0"/>
-              </a:spcAft>
-              <a:buSzPts val="1800"/>
-              <a:buChar char="•"/>
-            </a:pPr>
-            <a:r>
-              <a:rPr lang="en-US"/>
-              <a:t>Transfer Learning</a:t>
-            </a:r>
-            <a:endParaRPr/>
-          </a:p>
-          <a:p>
-            <a:pPr indent="-342900" lvl="0" marL="457200" rtl="0" algn="l">
-              <a:spcBef>
-                <a:spcPts val="0"/>
-              </a:spcBef>
-              <a:spcAft>
-                <a:spcPts val="0"/>
-              </a:spcAft>
-              <a:buSzPts val="1800"/>
-              <a:buChar char="•"/>
-            </a:pPr>
-            <a:r>
-              <a:rPr lang="en-US"/>
-              <a:t>Presentation</a:t>
-            </a:r>
-            <a:endParaRPr/>
-          </a:p>
-          <a:p>
-            <a:pPr indent="-342900" lvl="0" marL="457200" rtl="0" algn="l">
-              <a:spcBef>
-                <a:spcPts val="0"/>
-              </a:spcBef>
-              <a:spcAft>
-                <a:spcPts val="0"/>
-              </a:spcAft>
-              <a:buSzPts val="1800"/>
-              <a:buChar char="•"/>
-            </a:pPr>
-            <a:r>
-              <a:rPr lang="en-US"/>
-              <a:t>Generating report</a:t>
+              <a:t>Trying to get the model’s accuracy to be more than 80% on average was also a major obstacle, since it required precise fine tuning in order to get it above that threshold</a:t>
             </a:r>
             <a:endParaRPr/>
           </a:p>
